--- a/presentation/week 6 Meeting.pptx
+++ b/presentation/week 6 Meeting.pptx
@@ -120,16 +120,32 @@
 </p:presentation>
 </file>
 
-<file path=ppt/revisionInfo.xml><?xml version="1.0" encoding="utf-8"?>
-<p1510:revInfo xmlns:a="http://schemas.openxmlformats.org/drawingml/2006/main" xmlns:r="http://schemas.openxmlformats.org/officeDocument/2006/relationships" xmlns:p1510="http://schemas.microsoft.com/office/powerpoint/2015/10/main">
-  <p1510:revLst>
-    <p1510:client id="{681C8E6A-94A7-4B8F-8F4F-3C0567B50653}" v="20" dt="2021-11-12T02:08:24.253"/>
-  </p1510:revLst>
-</p1510:revInfo>
-</file>
-
 <file path=ppt/changesInfos/changesInfo1.xml><?xml version="1.0" encoding="utf-8"?>
 <pc:chgInfo xmlns:a="http://schemas.openxmlformats.org/drawingml/2006/main" xmlns:r="http://schemas.openxmlformats.org/officeDocument/2006/relationships" xmlns:ac="http://schemas.microsoft.com/office/drawing/2013/main/command" xmlns:pc="http://schemas.microsoft.com/office/powerpoint/2013/main/command">
+  <pc:docChgLst>
+    <pc:chgData name="toby lee" userId="c2b0b406bfa6151f" providerId="LiveId" clId="{318404F7-3559-492F-9892-4E11C3DBA755}"/>
+    <pc:docChg chg="modSld">
+      <pc:chgData name="toby lee" userId="c2b0b406bfa6151f" providerId="LiveId" clId="{318404F7-3559-492F-9892-4E11C3DBA755}" dt="2021-12-11T21:22:14.002" v="3" actId="20577"/>
+      <pc:docMkLst>
+        <pc:docMk/>
+      </pc:docMkLst>
+      <pc:sldChg chg="modSp mod">
+        <pc:chgData name="toby lee" userId="c2b0b406bfa6151f" providerId="LiveId" clId="{318404F7-3559-492F-9892-4E11C3DBA755}" dt="2021-12-11T21:22:14.002" v="3" actId="20577"/>
+        <pc:sldMkLst>
+          <pc:docMk/>
+          <pc:sldMk cId="3956411206" sldId="256"/>
+        </pc:sldMkLst>
+        <pc:spChg chg="mod">
+          <ac:chgData name="toby lee" userId="c2b0b406bfa6151f" providerId="LiveId" clId="{318404F7-3559-492F-9892-4E11C3DBA755}" dt="2021-12-11T21:22:14.002" v="3" actId="20577"/>
+          <ac:spMkLst>
+            <pc:docMk/>
+            <pc:sldMk cId="3956411206" sldId="256"/>
+            <ac:spMk id="3" creationId="{29796D7D-3175-4BB8-9B63-55C81B20C750}"/>
+          </ac:spMkLst>
+        </pc:spChg>
+      </pc:sldChg>
+    </pc:docChg>
+  </pc:docChgLst>
   <pc:docChgLst>
     <pc:chgData name="toby lee" userId="c2b0b406bfa6151f" providerId="LiveId" clId="{681C8E6A-94A7-4B8F-8F4F-3C0567B50653}"/>
     <pc:docChg chg="undo custSel addSld delSld modSld sldOrd">
@@ -1047,7 +1063,7 @@
           <a:p>
             <a:fld id="{ED291B17-9318-49DB-B28B-6E5994AE9581}" type="datetime1">
               <a:rPr lang="en-US" smtClean="0"/>
-              <a:t>11/12/2021</a:t>
+              <a:t>12/11/2021</a:t>
             </a:fld>
             <a:endParaRPr lang="en-US" dirty="0"/>
           </a:p>
@@ -1250,7 +1266,7 @@
           <a:p>
             <a:fld id="{2CED4963-E985-44C4-B8C4-FDD613B7C2F8}" type="datetime1">
               <a:rPr lang="en-US" smtClean="0"/>
-              <a:t>11/12/2021</a:t>
+              <a:t>12/11/2021</a:t>
             </a:fld>
             <a:endParaRPr lang="en-US" dirty="0"/>
           </a:p>
@@ -1612,7 +1628,7 @@
           <a:p>
             <a:fld id="{ED291B17-9318-49DB-B28B-6E5994AE9581}" type="datetime1">
               <a:rPr lang="en-US" smtClean="0"/>
-              <a:t>11/12/2021</a:t>
+              <a:t>12/11/2021</a:t>
             </a:fld>
             <a:endParaRPr lang="en-US" dirty="0"/>
           </a:p>
@@ -1810,7 +1826,7 @@
           <a:p>
             <a:fld id="{78DD82B9-B8EE-4375-B6FF-88FA6ABB15D9}" type="datetime1">
               <a:rPr lang="en-US" smtClean="0"/>
-              <a:t>11/12/2021</a:t>
+              <a:t>12/11/2021</a:t>
             </a:fld>
             <a:endParaRPr lang="en-US" dirty="0"/>
           </a:p>
@@ -2122,7 +2138,7 @@
           <a:p>
             <a:fld id="{B2497495-0637-405E-AE64-5CC7506D51F5}" type="datetime1">
               <a:rPr lang="en-US" smtClean="0"/>
-              <a:t>11/12/2021</a:t>
+              <a:t>12/11/2021</a:t>
             </a:fld>
             <a:endParaRPr lang="en-US" dirty="0"/>
           </a:p>
@@ -2375,7 +2391,7 @@
           <a:p>
             <a:fld id="{7BFFD690-9426-415D-8B65-26881E07B2D4}" type="datetime1">
               <a:rPr lang="en-US" smtClean="0"/>
-              <a:t>11/12/2021</a:t>
+              <a:t>12/11/2021</a:t>
             </a:fld>
             <a:endParaRPr lang="en-US" dirty="0"/>
           </a:p>
@@ -2797,7 +2813,7 @@
           <a:p>
             <a:fld id="{04C4989A-474C-40DE-95B9-011C28B71673}" type="datetime1">
               <a:rPr lang="en-US" smtClean="0"/>
-              <a:t>11/12/2021</a:t>
+              <a:t>12/11/2021</a:t>
             </a:fld>
             <a:endParaRPr lang="en-US" dirty="0"/>
           </a:p>
@@ -2920,7 +2936,7 @@
           <a:p>
             <a:fld id="{5DB4ED54-5B5E-4A04-93D3-5772E3CE3818}" type="datetime1">
               <a:rPr lang="en-US" smtClean="0"/>
-              <a:t>11/12/2021</a:t>
+              <a:t>12/11/2021</a:t>
             </a:fld>
             <a:endParaRPr lang="en-US" dirty="0"/>
           </a:p>
@@ -3015,7 +3031,7 @@
           <a:p>
             <a:fld id="{4EDE50D6-574B-40AF-946F-D52A04ADE379}" type="datetime1">
               <a:rPr lang="en-US" smtClean="0"/>
-              <a:t>11/12/2021</a:t>
+              <a:t>12/11/2021</a:t>
             </a:fld>
             <a:endParaRPr lang="en-US" dirty="0"/>
           </a:p>
@@ -3392,7 +3408,7 @@
           <a:p>
             <a:fld id="{D82884F1-FFEA-405F-9602-3DCA865EDA4E}" type="datetime1">
               <a:rPr lang="en-US" smtClean="0"/>
-              <a:t>11/12/2021</a:t>
+              <a:t>12/11/2021</a:t>
             </a:fld>
             <a:endParaRPr lang="en-US" dirty="0"/>
           </a:p>
@@ -3685,7 +3701,7 @@
           <a:p>
             <a:fld id="{7E18DB4A-8810-4A10-AD5C-D5E2C667F5B3}" type="datetime1">
               <a:rPr lang="en-US" smtClean="0"/>
-              <a:t>11/12/2021</a:t>
+              <a:t>12/11/2021</a:t>
             </a:fld>
             <a:endParaRPr lang="en-US" dirty="0"/>
           </a:p>
@@ -3900,7 +3916,7 @@
           <a:p>
             <a:fld id="{ED291B17-9318-49DB-B28B-6E5994AE9581}" type="datetime1">
               <a:rPr lang="en-US" smtClean="0"/>
-              <a:t>11/12/2021</a:t>
+              <a:t>12/11/2021</a:t>
             </a:fld>
             <a:endParaRPr lang="en-US" dirty="0"/>
           </a:p>
@@ -5266,8 +5282,8 @@
           </a:p>
         </p:txBody>
       </p:sp>
-      <mc:AlternateContent xmlns:mc="http://schemas.openxmlformats.org/markup-compatibility/2006">
-        <mc:Choice xmlns:a14="http://schemas.microsoft.com/office/drawing/2010/main" Requires="a14">
+      <mc:AlternateContent xmlns:mc="http://schemas.openxmlformats.org/markup-compatibility/2006" xmlns:a14="http://schemas.microsoft.com/office/drawing/2010/main">
+        <mc:Choice Requires="a14">
           <p:sp>
             <p:nvSpPr>
               <p:cNvPr id="3" name="Content Placeholder 2">
@@ -5390,7 +5406,7 @@
             </p:txBody>
           </p:sp>
         </mc:Choice>
-        <mc:Fallback>
+        <mc:Fallback xmlns="">
           <p:sp>
             <p:nvSpPr>
               <p:cNvPr id="3" name="Content Placeholder 2">
